--- a/11 - Deep Deterministic Policy Gradient (DDPG)/slides.pptx
+++ b/11 - Deep Deterministic Policy Gradient (DDPG)/slides.pptx
@@ -12351,13 +12351,13 @@
 </file>
 
 <file path=customXml/itemProps1.xml><?xml version="1.0" encoding="utf-8"?>
-<ds:datastoreItem xmlns:ds="http://schemas.openxmlformats.org/officeDocument/2006/customXml" ds:itemID="{8B63301F-77CF-4657-92A9-2F279172132C}"/>
+<ds:datastoreItem xmlns:ds="http://schemas.openxmlformats.org/officeDocument/2006/customXml" ds:itemID="{2D90F5A4-B4A9-481F-9DAD-94C656D9D5FA}"/>
 </file>
 
 <file path=customXml/itemProps2.xml><?xml version="1.0" encoding="utf-8"?>
-<ds:datastoreItem xmlns:ds="http://schemas.openxmlformats.org/officeDocument/2006/customXml" ds:itemID="{F773B599-1131-48FD-8252-B28ED3128954}"/>
+<ds:datastoreItem xmlns:ds="http://schemas.openxmlformats.org/officeDocument/2006/customXml" ds:itemID="{A5AF4155-90D8-4727-ABD9-7633338A9597}"/>
 </file>
 
 <file path=customXml/itemProps3.xml><?xml version="1.0" encoding="utf-8"?>
-<ds:datastoreItem xmlns:ds="http://schemas.openxmlformats.org/officeDocument/2006/customXml" ds:itemID="{8A339A8B-EDD4-4248-A158-5499086F312C}"/>
+<ds:datastoreItem xmlns:ds="http://schemas.openxmlformats.org/officeDocument/2006/customXml" ds:itemID="{A31C4B90-DB8A-4889-90E8-2D6464D571EA}"/>
 </file>